--- a/Lecture/Data Visualization/Data_Visualization_Lecture.pptx
+++ b/Lecture/Data Visualization/Data_Visualization_Lecture.pptx
@@ -284,7 +284,7 @@
               <a:pPr>
                 <a:defRPr/>
               </a:pPr>
-              <a:t>1/10/2019</a:t>
+              <a:t>6/24/2019</a:t>
             </a:fld>
             <a:endParaRPr lang="en-US" dirty="0"/>
           </a:p>
@@ -496,7 +496,7 @@
               <a:pPr>
                 <a:defRPr/>
               </a:pPr>
-              <a:t>1/10/2019</a:t>
+              <a:t>6/24/2019</a:t>
             </a:fld>
             <a:endParaRPr lang="en-US" dirty="0"/>
           </a:p>
@@ -1015,7 +1015,7 @@
               <a:pPr>
                 <a:defRPr/>
               </a:pPr>
-              <a:t>1/10/2019</a:t>
+              <a:t>6/24/2019</a:t>
             </a:fld>
             <a:endParaRPr lang="en-US" dirty="0"/>
           </a:p>
@@ -1205,7 +1205,7 @@
               <a:pPr>
                 <a:defRPr/>
               </a:pPr>
-              <a:t>1/10/2019</a:t>
+              <a:t>6/24/2019</a:t>
             </a:fld>
             <a:endParaRPr lang="en-US" dirty="0"/>
           </a:p>
@@ -1405,7 +1405,7 @@
               <a:pPr>
                 <a:defRPr/>
               </a:pPr>
-              <a:t>1/10/2019</a:t>
+              <a:t>6/24/2019</a:t>
             </a:fld>
             <a:endParaRPr lang="en-US" dirty="0"/>
           </a:p>
@@ -1673,7 +1673,7 @@
               <a:pPr>
                 <a:defRPr/>
               </a:pPr>
-              <a:t>1/10/2019</a:t>
+              <a:t>6/24/2019</a:t>
             </a:fld>
             <a:endParaRPr lang="en-US" dirty="0">
               <a:solidFill>
@@ -1887,7 +1887,7 @@
               <a:pPr>
                 <a:defRPr/>
               </a:pPr>
-              <a:t>1/10/2019</a:t>
+              <a:t>6/24/2019</a:t>
             </a:fld>
             <a:endParaRPr lang="en-US" dirty="0">
               <a:solidFill>
@@ -2178,7 +2178,7 @@
               <a:pPr>
                 <a:defRPr/>
               </a:pPr>
-              <a:t>1/10/2019</a:t>
+              <a:t>6/24/2019</a:t>
             </a:fld>
             <a:endParaRPr lang="en-US" dirty="0">
               <a:solidFill>
@@ -2509,7 +2509,7 @@
               <a:pPr>
                 <a:defRPr/>
               </a:pPr>
-              <a:t>1/10/2019</a:t>
+              <a:t>6/24/2019</a:t>
             </a:fld>
             <a:endParaRPr lang="en-US" dirty="0">
               <a:solidFill>
@@ -2974,7 +2974,7 @@
               <a:pPr>
                 <a:defRPr/>
               </a:pPr>
-              <a:t>1/10/2019</a:t>
+              <a:t>6/24/2019</a:t>
             </a:fld>
             <a:endParaRPr lang="en-US" dirty="0">
               <a:solidFill>
@@ -3137,7 +3137,7 @@
               <a:pPr>
                 <a:defRPr/>
               </a:pPr>
-              <a:t>1/10/2019</a:t>
+              <a:t>6/24/2019</a:t>
             </a:fld>
             <a:endParaRPr lang="en-US" dirty="0">
               <a:solidFill>
@@ -3278,7 +3278,7 @@
               <a:pPr>
                 <a:defRPr/>
               </a:pPr>
-              <a:t>1/10/2019</a:t>
+              <a:t>6/24/2019</a:t>
             </a:fld>
             <a:endParaRPr lang="en-US" dirty="0">
               <a:solidFill>
@@ -3599,7 +3599,7 @@
               <a:pPr>
                 <a:defRPr/>
               </a:pPr>
-              <a:t>1/10/2019</a:t>
+              <a:t>6/24/2019</a:t>
             </a:fld>
             <a:endParaRPr lang="en-US" dirty="0">
               <a:solidFill>
@@ -3807,7 +3807,7 @@
               <a:pPr>
                 <a:defRPr/>
               </a:pPr>
-              <a:t>1/10/2019</a:t>
+              <a:t>6/24/2019</a:t>
             </a:fld>
             <a:endParaRPr lang="en-US" dirty="0"/>
           </a:p>
@@ -4090,7 +4090,7 @@
               <a:pPr>
                 <a:defRPr/>
               </a:pPr>
-              <a:t>1/10/2019</a:t>
+              <a:t>6/24/2019</a:t>
             </a:fld>
             <a:endParaRPr lang="en-US" dirty="0">
               <a:solidFill>
@@ -4304,7 +4304,7 @@
               <a:pPr>
                 <a:defRPr/>
               </a:pPr>
-              <a:t>1/10/2019</a:t>
+              <a:t>6/24/2019</a:t>
             </a:fld>
             <a:endParaRPr lang="en-US" dirty="0">
               <a:solidFill>
@@ -4528,7 +4528,7 @@
               <a:pPr>
                 <a:defRPr/>
               </a:pPr>
-              <a:t>1/10/2019</a:t>
+              <a:t>6/24/2019</a:t>
             </a:fld>
             <a:endParaRPr lang="en-US" dirty="0">
               <a:solidFill>
@@ -4738,7 +4738,7 @@
               <a:pPr>
                 <a:defRPr/>
               </a:pPr>
-              <a:t>1/10/2019</a:t>
+              <a:t>6/24/2019</a:t>
             </a:fld>
             <a:endParaRPr lang="en-US" dirty="0">
               <a:solidFill>
@@ -5015,7 +5015,7 @@
               <a:pPr>
                 <a:defRPr/>
               </a:pPr>
-              <a:t>1/10/2019</a:t>
+              <a:t>6/24/2019</a:t>
             </a:fld>
             <a:endParaRPr lang="en-US" dirty="0"/>
           </a:p>
@@ -5322,7 +5322,7 @@
               <a:pPr>
                 <a:defRPr/>
               </a:pPr>
-              <a:t>1/10/2019</a:t>
+              <a:t>6/24/2019</a:t>
             </a:fld>
             <a:endParaRPr lang="en-US" dirty="0"/>
           </a:p>
@@ -5763,7 +5763,7 @@
               <a:pPr>
                 <a:defRPr/>
               </a:pPr>
-              <a:t>1/10/2019</a:t>
+              <a:t>6/24/2019</a:t>
             </a:fld>
             <a:endParaRPr lang="en-US" dirty="0"/>
           </a:p>
@@ -5902,7 +5902,7 @@
               <a:pPr>
                 <a:defRPr/>
               </a:pPr>
-              <a:t>1/10/2019</a:t>
+              <a:t>6/24/2019</a:t>
             </a:fld>
             <a:endParaRPr lang="en-US" dirty="0"/>
           </a:p>
@@ -6019,7 +6019,7 @@
               <a:pPr>
                 <a:defRPr/>
               </a:pPr>
-              <a:t>1/10/2019</a:t>
+              <a:t>6/24/2019</a:t>
             </a:fld>
             <a:endParaRPr lang="en-US" dirty="0"/>
           </a:p>
@@ -6316,7 +6316,7 @@
               <a:pPr>
                 <a:defRPr/>
               </a:pPr>
-              <a:t>1/10/2019</a:t>
+              <a:t>6/24/2019</a:t>
             </a:fld>
             <a:endParaRPr lang="en-US" dirty="0"/>
           </a:p>
@@ -6593,7 +6593,7 @@
               <a:pPr>
                 <a:defRPr/>
               </a:pPr>
-              <a:t>1/10/2019</a:t>
+              <a:t>6/24/2019</a:t>
             </a:fld>
             <a:endParaRPr lang="en-US" dirty="0"/>
           </a:p>
@@ -6850,7 +6850,7 @@
               <a:pPr>
                 <a:defRPr/>
               </a:pPr>
-              <a:t>1/10/2019</a:t>
+              <a:t>6/24/2019</a:t>
             </a:fld>
             <a:endParaRPr lang="en-US" dirty="0"/>
           </a:p>
@@ -7560,7 +7560,7 @@
               <a:pPr>
                 <a:defRPr/>
               </a:pPr>
-              <a:t>1/10/2019</a:t>
+              <a:t>6/24/2019</a:t>
             </a:fld>
             <a:endParaRPr lang="en-US" dirty="0">
               <a:solidFill>
@@ -8983,62 +8983,6 @@
               </a:rPr>
               <a:t>Practice Making Visually Stunning Pictures that Change Lives</a:t>
             </a:r>
-          </a:p>
-          <a:p>
-            <a:pPr indent="-228600" defTabSz="914400" eaLnBrk="1" hangingPunct="1">
-              <a:lnSpc>
-                <a:spcPct val="90000"/>
-              </a:lnSpc>
-              <a:buFont typeface="Arial" panose="020B0604020202020204" pitchFamily="34" charset="0"/>
-              <a:buChar char="•"/>
-            </a:pPr>
-            <a:endParaRPr lang="en-US" sz="2000" dirty="0">
-              <a:solidFill>
-                <a:srgbClr val="404040"/>
-              </a:solidFill>
-              <a:ea typeface="+mn-ea"/>
-              <a:cs typeface="+mn-cs"/>
-            </a:endParaRPr>
-          </a:p>
-          <a:p>
-            <a:pPr marL="114300" indent="0" defTabSz="914400" eaLnBrk="1" hangingPunct="1">
-              <a:lnSpc>
-                <a:spcPct val="90000"/>
-              </a:lnSpc>
-              <a:buNone/>
-            </a:pPr>
-            <a:endParaRPr lang="en-US" sz="2000" dirty="0">
-              <a:solidFill>
-                <a:srgbClr val="404040"/>
-              </a:solidFill>
-              <a:ea typeface="+mn-ea"/>
-              <a:cs typeface="+mn-cs"/>
-            </a:endParaRPr>
-          </a:p>
-          <a:p>
-            <a:pPr indent="-228600" defTabSz="914400" eaLnBrk="1" hangingPunct="1">
-              <a:lnSpc>
-                <a:spcPct val="90000"/>
-              </a:lnSpc>
-              <a:buFont typeface="Arial" panose="020B0604020202020204" pitchFamily="34" charset="0"/>
-              <a:buChar char="•"/>
-            </a:pPr>
-            <a:endParaRPr lang="en-US" sz="2000" dirty="0">
-              <a:solidFill>
-                <a:srgbClr val="404040"/>
-              </a:solidFill>
-              <a:ea typeface="+mn-ea"/>
-              <a:cs typeface="+mn-cs"/>
-            </a:endParaRPr>
-          </a:p>
-          <a:p>
-            <a:pPr indent="-228600" defTabSz="914400" eaLnBrk="1" hangingPunct="1">
-              <a:lnSpc>
-                <a:spcPct val="90000"/>
-              </a:lnSpc>
-              <a:buFont typeface="Arial" panose="020B0604020202020204" pitchFamily="34" charset="0"/>
-              <a:buChar char="•"/>
-            </a:pPr>
             <a:endParaRPr lang="en-US" sz="2000" dirty="0">
               <a:solidFill>
                 <a:srgbClr val="404040"/>
@@ -13097,7 +13041,7 @@
                 <a:ea typeface="+mj-ea"/>
                 <a:cs typeface="+mj-cs"/>
               </a:rPr>
-              <a:t>ggplot2</a:t>
+              <a:t>Many Examples</a:t>
             </a:r>
           </a:p>
         </p:txBody>
@@ -13293,302 +13237,6 @@
             </a:pPr>
             <a:r>
               <a:rPr lang="en-US" sz="2000" dirty="0">
-                <a:solidFill>
-                  <a:srgbClr val="404040"/>
-                </a:solidFill>
-                <a:ea typeface="+mn-ea"/>
-              </a:rPr>
-              <a:t>	</a:t>
-            </a:r>
-          </a:p>
-          <a:p>
-            <a:pPr lvl="1" indent="-228600" defTabSz="914400" eaLnBrk="1" hangingPunct="1">
-              <a:lnSpc>
-                <a:spcPct val="90000"/>
-              </a:lnSpc>
-              <a:buFont typeface="Arial" panose="020B0604020202020204" pitchFamily="34" charset="0"/>
-              <a:buChar char="•"/>
-            </a:pPr>
-            <a:endParaRPr lang="en-US" sz="2000" dirty="0">
-              <a:solidFill>
-                <a:srgbClr val="404040"/>
-              </a:solidFill>
-              <a:ea typeface="+mn-ea"/>
-            </a:endParaRPr>
-          </a:p>
-          <a:p>
-            <a:pPr marL="114300" indent="0" defTabSz="914400" eaLnBrk="1" hangingPunct="1">
-              <a:lnSpc>
-                <a:spcPct val="90000"/>
-              </a:lnSpc>
-              <a:buNone/>
-            </a:pPr>
-            <a:endParaRPr lang="en-US" sz="2400" dirty="0">
-              <a:solidFill>
-                <a:srgbClr val="404040"/>
-              </a:solidFill>
-              <a:ea typeface="+mn-ea"/>
-              <a:cs typeface="+mn-cs"/>
-            </a:endParaRPr>
-          </a:p>
-        </p:txBody>
-      </p:sp>
-      <p:sp>
-        <p:nvSpPr>
-          <p:cNvPr id="7" name="Content Placeholder 2">
-            <a:extLst>
-              <a:ext uri="{FF2B5EF4-FFF2-40B4-BE49-F238E27FC236}">
-                <a16:creationId xmlns:a16="http://schemas.microsoft.com/office/drawing/2014/main" id="{7A9F314C-A613-4659-B76B-9B779BEB9247}"/>
-              </a:ext>
-            </a:extLst>
-          </p:cNvPr>
-          <p:cNvSpPr txBox="1">
-            <a:spLocks/>
-          </p:cNvSpPr>
-          <p:nvPr/>
-        </p:nvSpPr>
-        <p:spPr bwMode="auto">
-          <a:xfrm>
-            <a:off x="3632495" y="677334"/>
-            <a:ext cx="5359103" cy="5833533"/>
-          </a:xfrm>
-          <a:prstGeom prst="rect">
-            <a:avLst/>
-          </a:prstGeom>
-        </p:spPr>
-        <p:txBody>
-          <a:bodyPr vert="horz" lIns="91440" tIns="45720" rIns="91440" bIns="45720" numCol="1" rtlCol="0" anchorCtr="0" compatLnSpc="1">
-            <a:prstTxWarp prst="textNoShape">
-              <a:avLst/>
-            </a:prstTxWarp>
-            <a:noAutofit/>
-          </a:bodyPr>
-          <a:lstStyle>
-            <a:lvl1pPr marL="342900" indent="-342900" algn="l" defTabSz="457200" rtl="0" eaLnBrk="0" fontAlgn="base" hangingPunct="0">
-              <a:spcBef>
-                <a:spcPct val="20000"/>
-              </a:spcBef>
-              <a:spcAft>
-                <a:spcPct val="0"/>
-              </a:spcAft>
-              <a:buFont typeface="Arial" charset="0"/>
-              <a:buChar char="•"/>
-              <a:defRPr sz="3200" kern="1200">
-                <a:solidFill>
-                  <a:schemeClr val="tx1"/>
-                </a:solidFill>
-                <a:latin typeface="+mn-lt"/>
-                <a:ea typeface="ＭＳ Ｐゴシック" pitchFamily="-109" charset="-128"/>
-                <a:cs typeface="ＭＳ Ｐゴシック" pitchFamily="-109" charset="-128"/>
-              </a:defRPr>
-            </a:lvl1pPr>
-            <a:lvl2pPr marL="742950" indent="-285750" algn="l" defTabSz="457200" rtl="0" eaLnBrk="0" fontAlgn="base" hangingPunct="0">
-              <a:spcBef>
-                <a:spcPct val="20000"/>
-              </a:spcBef>
-              <a:spcAft>
-                <a:spcPct val="0"/>
-              </a:spcAft>
-              <a:buFont typeface="Arial" charset="0"/>
-              <a:buChar char="–"/>
-              <a:defRPr sz="2800" kern="1200">
-                <a:solidFill>
-                  <a:schemeClr val="tx1"/>
-                </a:solidFill>
-                <a:latin typeface="+mn-lt"/>
-                <a:ea typeface="ＭＳ Ｐゴシック" pitchFamily="-109" charset="-128"/>
-                <a:cs typeface="+mn-cs"/>
-              </a:defRPr>
-            </a:lvl2pPr>
-            <a:lvl3pPr marL="1143000" indent="-228600" algn="l" defTabSz="457200" rtl="0" eaLnBrk="0" fontAlgn="base" hangingPunct="0">
-              <a:spcBef>
-                <a:spcPct val="20000"/>
-              </a:spcBef>
-              <a:spcAft>
-                <a:spcPct val="0"/>
-              </a:spcAft>
-              <a:buFont typeface="Arial" charset="0"/>
-              <a:buChar char="•"/>
-              <a:defRPr sz="2400" kern="1200">
-                <a:solidFill>
-                  <a:schemeClr val="tx1"/>
-                </a:solidFill>
-                <a:latin typeface="+mn-lt"/>
-                <a:ea typeface="ＭＳ Ｐゴシック" pitchFamily="-109" charset="-128"/>
-                <a:cs typeface="+mn-cs"/>
-              </a:defRPr>
-            </a:lvl3pPr>
-            <a:lvl4pPr marL="1600200" indent="-228600" algn="l" defTabSz="457200" rtl="0" eaLnBrk="0" fontAlgn="base" hangingPunct="0">
-              <a:spcBef>
-                <a:spcPct val="20000"/>
-              </a:spcBef>
-              <a:spcAft>
-                <a:spcPct val="0"/>
-              </a:spcAft>
-              <a:buFont typeface="Arial" charset="0"/>
-              <a:buChar char="–"/>
-              <a:defRPr sz="2000" kern="1200">
-                <a:solidFill>
-                  <a:schemeClr val="tx1"/>
-                </a:solidFill>
-                <a:latin typeface="+mn-lt"/>
-                <a:ea typeface="ＭＳ Ｐゴシック" pitchFamily="-109" charset="-128"/>
-                <a:cs typeface="+mn-cs"/>
-              </a:defRPr>
-            </a:lvl4pPr>
-            <a:lvl5pPr marL="2057400" indent="-228600" algn="l" defTabSz="457200" rtl="0" eaLnBrk="0" fontAlgn="base" hangingPunct="0">
-              <a:spcBef>
-                <a:spcPct val="20000"/>
-              </a:spcBef>
-              <a:spcAft>
-                <a:spcPct val="0"/>
-              </a:spcAft>
-              <a:buFont typeface="Arial" charset="0"/>
-              <a:buChar char="»"/>
-              <a:defRPr sz="2000" kern="1200">
-                <a:solidFill>
-                  <a:schemeClr val="tx1"/>
-                </a:solidFill>
-                <a:latin typeface="+mn-lt"/>
-                <a:ea typeface="ＭＳ Ｐゴシック" pitchFamily="-109" charset="-128"/>
-                <a:cs typeface="+mn-cs"/>
-              </a:defRPr>
-            </a:lvl5pPr>
-            <a:lvl6pPr marL="2514600" indent="-228600" algn="l" defTabSz="457200" rtl="0" eaLnBrk="1" latinLnBrk="0" hangingPunct="1">
-              <a:spcBef>
-                <a:spcPct val="20000"/>
-              </a:spcBef>
-              <a:buFont typeface="Arial"/>
-              <a:buChar char="•"/>
-              <a:defRPr sz="2000" kern="1200">
-                <a:solidFill>
-                  <a:schemeClr val="tx1"/>
-                </a:solidFill>
-                <a:latin typeface="+mn-lt"/>
-                <a:ea typeface="+mn-ea"/>
-                <a:cs typeface="+mn-cs"/>
-              </a:defRPr>
-            </a:lvl6pPr>
-            <a:lvl7pPr marL="2971800" indent="-228600" algn="l" defTabSz="457200" rtl="0" eaLnBrk="1" latinLnBrk="0" hangingPunct="1">
-              <a:spcBef>
-                <a:spcPct val="20000"/>
-              </a:spcBef>
-              <a:buFont typeface="Arial"/>
-              <a:buChar char="•"/>
-              <a:defRPr sz="2000" kern="1200">
-                <a:solidFill>
-                  <a:schemeClr val="tx1"/>
-                </a:solidFill>
-                <a:latin typeface="+mn-lt"/>
-                <a:ea typeface="+mn-ea"/>
-                <a:cs typeface="+mn-cs"/>
-              </a:defRPr>
-            </a:lvl7pPr>
-            <a:lvl8pPr marL="3429000" indent="-228600" algn="l" defTabSz="457200" rtl="0" eaLnBrk="1" latinLnBrk="0" hangingPunct="1">
-              <a:spcBef>
-                <a:spcPct val="20000"/>
-              </a:spcBef>
-              <a:buFont typeface="Arial"/>
-              <a:buChar char="•"/>
-              <a:defRPr sz="2000" kern="1200">
-                <a:solidFill>
-                  <a:schemeClr val="tx1"/>
-                </a:solidFill>
-                <a:latin typeface="+mn-lt"/>
-                <a:ea typeface="+mn-ea"/>
-                <a:cs typeface="+mn-cs"/>
-              </a:defRPr>
-            </a:lvl8pPr>
-            <a:lvl9pPr marL="3886200" indent="-228600" algn="l" defTabSz="457200" rtl="0" eaLnBrk="1" latinLnBrk="0" hangingPunct="1">
-              <a:spcBef>
-                <a:spcPct val="20000"/>
-              </a:spcBef>
-              <a:buFont typeface="Arial"/>
-              <a:buChar char="•"/>
-              <a:defRPr sz="2000" kern="1200">
-                <a:solidFill>
-                  <a:schemeClr val="tx1"/>
-                </a:solidFill>
-                <a:latin typeface="+mn-lt"/>
-                <a:ea typeface="+mn-ea"/>
-                <a:cs typeface="+mn-cs"/>
-              </a:defRPr>
-            </a:lvl9pPr>
-          </a:lstStyle>
-          <a:p>
-            <a:pPr marL="114300" indent="0" defTabSz="914400" eaLnBrk="1" hangingPunct="1">
-              <a:lnSpc>
-                <a:spcPct val="90000"/>
-              </a:lnSpc>
-              <a:buNone/>
-            </a:pPr>
-            <a:r>
-              <a:rPr lang="en-US" sz="4800" b="1" dirty="0">
-                <a:solidFill>
-                  <a:srgbClr val="404040"/>
-                </a:solidFill>
-                <a:ea typeface="+mn-ea"/>
-              </a:rPr>
-              <a:t>Now, let us </a:t>
-            </a:r>
-          </a:p>
-          <a:p>
-            <a:pPr marL="114300" indent="0" defTabSz="914400" eaLnBrk="1" hangingPunct="1">
-              <a:lnSpc>
-                <a:spcPct val="90000"/>
-              </a:lnSpc>
-              <a:buNone/>
-            </a:pPr>
-            <a:r>
-              <a:rPr lang="en-US" sz="9600" b="1" dirty="0">
-                <a:solidFill>
-                  <a:srgbClr val="404040"/>
-                </a:solidFill>
-                <a:ea typeface="+mn-ea"/>
-              </a:rPr>
-              <a:t>PRACTICE</a:t>
-            </a:r>
-            <a:endParaRPr lang="en-US" sz="9600" b="1" dirty="0">
-              <a:solidFill>
-                <a:srgbClr val="404040"/>
-              </a:solidFill>
-              <a:ea typeface="+mn-ea"/>
-              <a:cs typeface="+mn-cs"/>
-            </a:endParaRPr>
-          </a:p>
-          <a:p>
-            <a:pPr marL="114300" indent="0" defTabSz="914400" eaLnBrk="1" hangingPunct="1">
-              <a:lnSpc>
-                <a:spcPct val="90000"/>
-              </a:lnSpc>
-              <a:buNone/>
-            </a:pPr>
-            <a:endParaRPr lang="en-US" sz="2400" dirty="0">
-              <a:solidFill>
-                <a:srgbClr val="404040"/>
-              </a:solidFill>
-              <a:ea typeface="+mn-ea"/>
-              <a:cs typeface="+mn-cs"/>
-            </a:endParaRPr>
-          </a:p>
-          <a:p>
-            <a:pPr marL="114300" indent="0" defTabSz="914400" eaLnBrk="1" hangingPunct="1">
-              <a:lnSpc>
-                <a:spcPct val="90000"/>
-              </a:lnSpc>
-              <a:buNone/>
-            </a:pPr>
-            <a:r>
-              <a:rPr lang="en-US" sz="2800" b="1" dirty="0">
-                <a:solidFill>
-                  <a:srgbClr val="404040"/>
-                </a:solidFill>
-                <a:ea typeface="+mn-ea"/>
-              </a:rPr>
-              <a:t>Start by downloading Tutorial2.Rmd to Your Computer from the Course Website and open the file in RStudio</a:t>
-            </a:r>
-            <a:r>
-              <a:rPr lang="en-US" sz="2000" b="1" dirty="0">
                 <a:solidFill>
                   <a:srgbClr val="404040"/>
                 </a:solidFill>
@@ -13659,6 +13307,409 @@
           <a:noFill/>
         </p:spPr>
       </p:pic>
+      <p:sp>
+        <p:nvSpPr>
+          <p:cNvPr id="8" name="Content Placeholder 2">
+            <a:extLst>
+              <a:ext uri="{FF2B5EF4-FFF2-40B4-BE49-F238E27FC236}">
+                <a16:creationId xmlns:a16="http://schemas.microsoft.com/office/drawing/2014/main" id="{F1A2319F-CB58-42DB-898C-82F99D9621B5}"/>
+              </a:ext>
+            </a:extLst>
+          </p:cNvPr>
+          <p:cNvSpPr txBox="1">
+            <a:spLocks/>
+          </p:cNvSpPr>
+          <p:nvPr/>
+        </p:nvSpPr>
+        <p:spPr bwMode="auto">
+          <a:xfrm>
+            <a:off x="3810000" y="643466"/>
+            <a:ext cx="5257800" cy="5833533"/>
+          </a:xfrm>
+          <a:prstGeom prst="rect">
+            <a:avLst/>
+          </a:prstGeom>
+        </p:spPr>
+        <p:txBody>
+          <a:bodyPr vert="horz" lIns="91440" tIns="45720" rIns="91440" bIns="45720" numCol="1" rtlCol="0" anchorCtr="0" compatLnSpc="1">
+            <a:prstTxWarp prst="textNoShape">
+              <a:avLst/>
+            </a:prstTxWarp>
+            <a:noAutofit/>
+          </a:bodyPr>
+          <a:lstStyle>
+            <a:lvl1pPr marL="342900" indent="-342900" algn="l" defTabSz="457200" rtl="0" eaLnBrk="0" fontAlgn="base" hangingPunct="0">
+              <a:spcBef>
+                <a:spcPct val="20000"/>
+              </a:spcBef>
+              <a:spcAft>
+                <a:spcPct val="0"/>
+              </a:spcAft>
+              <a:buFont typeface="Arial" charset="0"/>
+              <a:buChar char="•"/>
+              <a:defRPr sz="3200" kern="1200">
+                <a:solidFill>
+                  <a:schemeClr val="tx1"/>
+                </a:solidFill>
+                <a:latin typeface="+mn-lt"/>
+                <a:ea typeface="ＭＳ Ｐゴシック" pitchFamily="-109" charset="-128"/>
+                <a:cs typeface="ＭＳ Ｐゴシック" pitchFamily="-109" charset="-128"/>
+              </a:defRPr>
+            </a:lvl1pPr>
+            <a:lvl2pPr marL="742950" indent="-285750" algn="l" defTabSz="457200" rtl="0" eaLnBrk="0" fontAlgn="base" hangingPunct="0">
+              <a:spcBef>
+                <a:spcPct val="20000"/>
+              </a:spcBef>
+              <a:spcAft>
+                <a:spcPct val="0"/>
+              </a:spcAft>
+              <a:buFont typeface="Arial" charset="0"/>
+              <a:buChar char="–"/>
+              <a:defRPr sz="2800" kern="1200">
+                <a:solidFill>
+                  <a:schemeClr val="tx1"/>
+                </a:solidFill>
+                <a:latin typeface="+mn-lt"/>
+                <a:ea typeface="ＭＳ Ｐゴシック" pitchFamily="-109" charset="-128"/>
+                <a:cs typeface="+mn-cs"/>
+              </a:defRPr>
+            </a:lvl2pPr>
+            <a:lvl3pPr marL="1143000" indent="-228600" algn="l" defTabSz="457200" rtl="0" eaLnBrk="0" fontAlgn="base" hangingPunct="0">
+              <a:spcBef>
+                <a:spcPct val="20000"/>
+              </a:spcBef>
+              <a:spcAft>
+                <a:spcPct val="0"/>
+              </a:spcAft>
+              <a:buFont typeface="Arial" charset="0"/>
+              <a:buChar char="•"/>
+              <a:defRPr sz="2400" kern="1200">
+                <a:solidFill>
+                  <a:schemeClr val="tx1"/>
+                </a:solidFill>
+                <a:latin typeface="+mn-lt"/>
+                <a:ea typeface="ＭＳ Ｐゴシック" pitchFamily="-109" charset="-128"/>
+                <a:cs typeface="+mn-cs"/>
+              </a:defRPr>
+            </a:lvl3pPr>
+            <a:lvl4pPr marL="1600200" indent="-228600" algn="l" defTabSz="457200" rtl="0" eaLnBrk="0" fontAlgn="base" hangingPunct="0">
+              <a:spcBef>
+                <a:spcPct val="20000"/>
+              </a:spcBef>
+              <a:spcAft>
+                <a:spcPct val="0"/>
+              </a:spcAft>
+              <a:buFont typeface="Arial" charset="0"/>
+              <a:buChar char="–"/>
+              <a:defRPr sz="2000" kern="1200">
+                <a:solidFill>
+                  <a:schemeClr val="tx1"/>
+                </a:solidFill>
+                <a:latin typeface="+mn-lt"/>
+                <a:ea typeface="ＭＳ Ｐゴシック" pitchFamily="-109" charset="-128"/>
+                <a:cs typeface="+mn-cs"/>
+              </a:defRPr>
+            </a:lvl4pPr>
+            <a:lvl5pPr marL="2057400" indent="-228600" algn="l" defTabSz="457200" rtl="0" eaLnBrk="0" fontAlgn="base" hangingPunct="0">
+              <a:spcBef>
+                <a:spcPct val="20000"/>
+              </a:spcBef>
+              <a:spcAft>
+                <a:spcPct val="0"/>
+              </a:spcAft>
+              <a:buFont typeface="Arial" charset="0"/>
+              <a:buChar char="»"/>
+              <a:defRPr sz="2000" kern="1200">
+                <a:solidFill>
+                  <a:schemeClr val="tx1"/>
+                </a:solidFill>
+                <a:latin typeface="+mn-lt"/>
+                <a:ea typeface="ＭＳ Ｐゴシック" pitchFamily="-109" charset="-128"/>
+                <a:cs typeface="+mn-cs"/>
+              </a:defRPr>
+            </a:lvl5pPr>
+            <a:lvl6pPr marL="2514600" indent="-228600" algn="l" defTabSz="457200" rtl="0" eaLnBrk="1" latinLnBrk="0" hangingPunct="1">
+              <a:spcBef>
+                <a:spcPct val="20000"/>
+              </a:spcBef>
+              <a:buFont typeface="Arial"/>
+              <a:buChar char="•"/>
+              <a:defRPr sz="2000" kern="1200">
+                <a:solidFill>
+                  <a:schemeClr val="tx1"/>
+                </a:solidFill>
+                <a:latin typeface="+mn-lt"/>
+                <a:ea typeface="+mn-ea"/>
+                <a:cs typeface="+mn-cs"/>
+              </a:defRPr>
+            </a:lvl6pPr>
+            <a:lvl7pPr marL="2971800" indent="-228600" algn="l" defTabSz="457200" rtl="0" eaLnBrk="1" latinLnBrk="0" hangingPunct="1">
+              <a:spcBef>
+                <a:spcPct val="20000"/>
+              </a:spcBef>
+              <a:buFont typeface="Arial"/>
+              <a:buChar char="•"/>
+              <a:defRPr sz="2000" kern="1200">
+                <a:solidFill>
+                  <a:schemeClr val="tx1"/>
+                </a:solidFill>
+                <a:latin typeface="+mn-lt"/>
+                <a:ea typeface="+mn-ea"/>
+                <a:cs typeface="+mn-cs"/>
+              </a:defRPr>
+            </a:lvl7pPr>
+            <a:lvl8pPr marL="3429000" indent="-228600" algn="l" defTabSz="457200" rtl="0" eaLnBrk="1" latinLnBrk="0" hangingPunct="1">
+              <a:spcBef>
+                <a:spcPct val="20000"/>
+              </a:spcBef>
+              <a:buFont typeface="Arial"/>
+              <a:buChar char="•"/>
+              <a:defRPr sz="2000" kern="1200">
+                <a:solidFill>
+                  <a:schemeClr val="tx1"/>
+                </a:solidFill>
+                <a:latin typeface="+mn-lt"/>
+                <a:ea typeface="+mn-ea"/>
+                <a:cs typeface="+mn-cs"/>
+              </a:defRPr>
+            </a:lvl8pPr>
+            <a:lvl9pPr marL="3886200" indent="-228600" algn="l" defTabSz="457200" rtl="0" eaLnBrk="1" latinLnBrk="0" hangingPunct="1">
+              <a:spcBef>
+                <a:spcPct val="20000"/>
+              </a:spcBef>
+              <a:buFont typeface="Arial"/>
+              <a:buChar char="•"/>
+              <a:defRPr sz="2000" kern="1200">
+                <a:solidFill>
+                  <a:schemeClr val="tx1"/>
+                </a:solidFill>
+                <a:latin typeface="+mn-lt"/>
+                <a:ea typeface="+mn-ea"/>
+                <a:cs typeface="+mn-cs"/>
+              </a:defRPr>
+            </a:lvl9pPr>
+          </a:lstStyle>
+          <a:p>
+            <a:pPr indent="-228600" defTabSz="914400" eaLnBrk="1" hangingPunct="1">
+              <a:lnSpc>
+                <a:spcPct val="90000"/>
+              </a:lnSpc>
+              <a:buFont typeface="Arial" panose="020B0604020202020204" pitchFamily="34" charset="0"/>
+              <a:buChar char="•"/>
+            </a:pPr>
+            <a:r>
+              <a:rPr lang="en-US" sz="2400" dirty="0">
+                <a:solidFill>
+                  <a:srgbClr val="404040"/>
+                </a:solidFill>
+                <a:ea typeface="+mn-ea"/>
+                <a:cs typeface="+mn-cs"/>
+              </a:rPr>
+              <a:t>Locate Tutorial 1 on Course Website</a:t>
+            </a:r>
+          </a:p>
+          <a:p>
+            <a:pPr indent="-228600" defTabSz="914400" eaLnBrk="1" hangingPunct="1">
+              <a:lnSpc>
+                <a:spcPct val="90000"/>
+              </a:lnSpc>
+              <a:buFont typeface="Arial" panose="020B0604020202020204" pitchFamily="34" charset="0"/>
+              <a:buChar char="•"/>
+            </a:pPr>
+            <a:endParaRPr lang="en-US" sz="2400" dirty="0">
+              <a:solidFill>
+                <a:srgbClr val="404040"/>
+              </a:solidFill>
+              <a:ea typeface="+mn-ea"/>
+              <a:cs typeface="+mn-cs"/>
+            </a:endParaRPr>
+          </a:p>
+          <a:p>
+            <a:pPr indent="-228600" defTabSz="914400" eaLnBrk="1" hangingPunct="1">
+              <a:lnSpc>
+                <a:spcPct val="90000"/>
+              </a:lnSpc>
+              <a:buFont typeface="Arial" panose="020B0604020202020204" pitchFamily="34" charset="0"/>
+              <a:buChar char="•"/>
+            </a:pPr>
+            <a:r>
+              <a:rPr lang="en-US" sz="2400" dirty="0">
+                <a:solidFill>
+                  <a:srgbClr val="404040"/>
+                </a:solidFill>
+                <a:ea typeface="+mn-ea"/>
+                <a:cs typeface="+mn-cs"/>
+              </a:rPr>
+              <a:t>Download </a:t>
+            </a:r>
+            <a:r>
+              <a:rPr lang="en-US" sz="2400" dirty="0" err="1">
+                <a:solidFill>
+                  <a:srgbClr val="404040"/>
+                </a:solidFill>
+                <a:ea typeface="+mn-ea"/>
+                <a:cs typeface="+mn-cs"/>
+              </a:rPr>
+              <a:t>Rmd</a:t>
+            </a:r>
+            <a:r>
+              <a:rPr lang="en-US" sz="2400" dirty="0">
+                <a:solidFill>
+                  <a:srgbClr val="404040"/>
+                </a:solidFill>
+                <a:ea typeface="+mn-ea"/>
+                <a:cs typeface="+mn-cs"/>
+              </a:rPr>
+              <a:t> File</a:t>
+            </a:r>
+          </a:p>
+          <a:p>
+            <a:pPr indent="-228600" defTabSz="914400" eaLnBrk="1" hangingPunct="1">
+              <a:lnSpc>
+                <a:spcPct val="90000"/>
+              </a:lnSpc>
+              <a:buFont typeface="Arial" panose="020B0604020202020204" pitchFamily="34" charset="0"/>
+              <a:buChar char="•"/>
+            </a:pPr>
+            <a:endParaRPr lang="en-US" sz="2400" dirty="0">
+              <a:solidFill>
+                <a:srgbClr val="404040"/>
+              </a:solidFill>
+              <a:ea typeface="+mn-ea"/>
+              <a:cs typeface="+mn-cs"/>
+            </a:endParaRPr>
+          </a:p>
+          <a:p>
+            <a:pPr indent="-228600" defTabSz="914400" eaLnBrk="1" hangingPunct="1">
+              <a:lnSpc>
+                <a:spcPct val="90000"/>
+              </a:lnSpc>
+              <a:buFont typeface="Arial" panose="020B0604020202020204" pitchFamily="34" charset="0"/>
+              <a:buChar char="•"/>
+            </a:pPr>
+            <a:r>
+              <a:rPr lang="en-US" sz="2400" dirty="0">
+                <a:solidFill>
+                  <a:srgbClr val="404040"/>
+                </a:solidFill>
+                <a:ea typeface="+mn-ea"/>
+                <a:cs typeface="+mn-cs"/>
+              </a:rPr>
+              <a:t>Open </a:t>
+            </a:r>
+            <a:r>
+              <a:rPr lang="en-US" sz="2400" dirty="0" err="1">
+                <a:solidFill>
+                  <a:srgbClr val="404040"/>
+                </a:solidFill>
+                <a:ea typeface="+mn-ea"/>
+                <a:cs typeface="+mn-cs"/>
+              </a:rPr>
+              <a:t>Rmd</a:t>
+            </a:r>
+            <a:r>
+              <a:rPr lang="en-US" sz="2400" dirty="0">
+                <a:solidFill>
+                  <a:srgbClr val="404040"/>
+                </a:solidFill>
+                <a:ea typeface="+mn-ea"/>
+                <a:cs typeface="+mn-cs"/>
+              </a:rPr>
+              <a:t> File on Computer</a:t>
+            </a:r>
+          </a:p>
+          <a:p>
+            <a:pPr indent="-228600" defTabSz="914400" eaLnBrk="1" hangingPunct="1">
+              <a:lnSpc>
+                <a:spcPct val="90000"/>
+              </a:lnSpc>
+              <a:buFont typeface="Arial" panose="020B0604020202020204" pitchFamily="34" charset="0"/>
+              <a:buChar char="•"/>
+            </a:pPr>
+            <a:endParaRPr lang="en-US" sz="2400" dirty="0">
+              <a:solidFill>
+                <a:srgbClr val="404040"/>
+              </a:solidFill>
+              <a:ea typeface="+mn-ea"/>
+              <a:cs typeface="+mn-cs"/>
+            </a:endParaRPr>
+          </a:p>
+          <a:p>
+            <a:pPr indent="-228600" defTabSz="914400" eaLnBrk="1" hangingPunct="1">
+              <a:lnSpc>
+                <a:spcPct val="90000"/>
+              </a:lnSpc>
+              <a:buFont typeface="Arial" panose="020B0604020202020204" pitchFamily="34" charset="0"/>
+              <a:buChar char="•"/>
+            </a:pPr>
+            <a:r>
+              <a:rPr lang="en-US" sz="2400" dirty="0">
+                <a:solidFill>
+                  <a:srgbClr val="404040"/>
+                </a:solidFill>
+                <a:ea typeface="+mn-ea"/>
+                <a:cs typeface="+mn-cs"/>
+              </a:rPr>
+              <a:t>Knit the </a:t>
+            </a:r>
+            <a:r>
+              <a:rPr lang="en-US" sz="2400" dirty="0" err="1">
+                <a:solidFill>
+                  <a:srgbClr val="404040"/>
+                </a:solidFill>
+                <a:ea typeface="+mn-ea"/>
+                <a:cs typeface="+mn-cs"/>
+              </a:rPr>
+              <a:t>Rmd</a:t>
+            </a:r>
+            <a:r>
+              <a:rPr lang="en-US" sz="2400" dirty="0">
+                <a:solidFill>
+                  <a:srgbClr val="404040"/>
+                </a:solidFill>
+                <a:ea typeface="+mn-ea"/>
+                <a:cs typeface="+mn-cs"/>
+              </a:rPr>
+              <a:t> File to HTML format</a:t>
+            </a:r>
+          </a:p>
+          <a:p>
+            <a:pPr indent="-228600" defTabSz="914400" eaLnBrk="1" hangingPunct="1">
+              <a:lnSpc>
+                <a:spcPct val="90000"/>
+              </a:lnSpc>
+              <a:buFont typeface="Arial" panose="020B0604020202020204" pitchFamily="34" charset="0"/>
+              <a:buChar char="•"/>
+            </a:pPr>
+            <a:endParaRPr lang="en-US" sz="2400" dirty="0">
+              <a:solidFill>
+                <a:srgbClr val="404040"/>
+              </a:solidFill>
+              <a:ea typeface="+mn-ea"/>
+              <a:cs typeface="+mn-cs"/>
+            </a:endParaRPr>
+          </a:p>
+          <a:p>
+            <a:pPr indent="-228600" defTabSz="914400" eaLnBrk="1" hangingPunct="1">
+              <a:lnSpc>
+                <a:spcPct val="90000"/>
+              </a:lnSpc>
+              <a:buFont typeface="Arial" panose="020B0604020202020204" pitchFamily="34" charset="0"/>
+              <a:buChar char="•"/>
+            </a:pPr>
+            <a:r>
+              <a:rPr lang="en-US" sz="2400" dirty="0">
+                <a:solidFill>
+                  <a:srgbClr val="404040"/>
+                </a:solidFill>
+                <a:ea typeface="+mn-ea"/>
+                <a:cs typeface="+mn-cs"/>
+              </a:rPr>
+              <a:t>View Graphs with Me</a:t>
+            </a:r>
+          </a:p>
+        </p:txBody>
+      </p:sp>
     </p:spTree>
     <p:custDataLst>
       <p:tags r:id="rId1"/>

--- a/Lecture/Data Visualization/Data_Visualization_Lecture.pptx
+++ b/Lecture/Data Visualization/Data_Visualization_Lecture.pptx
@@ -284,7 +284,7 @@
               <a:pPr>
                 <a:defRPr/>
               </a:pPr>
-              <a:t>6/24/2019</a:t>
+              <a:t>9/4/2019</a:t>
             </a:fld>
             <a:endParaRPr lang="en-US" dirty="0"/>
           </a:p>
@@ -496,7 +496,7 @@
               <a:pPr>
                 <a:defRPr/>
               </a:pPr>
-              <a:t>6/24/2019</a:t>
+              <a:t>9/4/2019</a:t>
             </a:fld>
             <a:endParaRPr lang="en-US" dirty="0"/>
           </a:p>
@@ -1015,7 +1015,7 @@
               <a:pPr>
                 <a:defRPr/>
               </a:pPr>
-              <a:t>6/24/2019</a:t>
+              <a:t>9/4/2019</a:t>
             </a:fld>
             <a:endParaRPr lang="en-US" dirty="0"/>
           </a:p>
@@ -1205,7 +1205,7 @@
               <a:pPr>
                 <a:defRPr/>
               </a:pPr>
-              <a:t>6/24/2019</a:t>
+              <a:t>9/4/2019</a:t>
             </a:fld>
             <a:endParaRPr lang="en-US" dirty="0"/>
           </a:p>
@@ -1405,7 +1405,7 @@
               <a:pPr>
                 <a:defRPr/>
               </a:pPr>
-              <a:t>6/24/2019</a:t>
+              <a:t>9/4/2019</a:t>
             </a:fld>
             <a:endParaRPr lang="en-US" dirty="0"/>
           </a:p>
@@ -1673,7 +1673,7 @@
               <a:pPr>
                 <a:defRPr/>
               </a:pPr>
-              <a:t>6/24/2019</a:t>
+              <a:t>9/4/2019</a:t>
             </a:fld>
             <a:endParaRPr lang="en-US" dirty="0">
               <a:solidFill>
@@ -1887,7 +1887,7 @@
               <a:pPr>
                 <a:defRPr/>
               </a:pPr>
-              <a:t>6/24/2019</a:t>
+              <a:t>9/4/2019</a:t>
             </a:fld>
             <a:endParaRPr lang="en-US" dirty="0">
               <a:solidFill>
@@ -2178,7 +2178,7 @@
               <a:pPr>
                 <a:defRPr/>
               </a:pPr>
-              <a:t>6/24/2019</a:t>
+              <a:t>9/4/2019</a:t>
             </a:fld>
             <a:endParaRPr lang="en-US" dirty="0">
               <a:solidFill>
@@ -2509,7 +2509,7 @@
               <a:pPr>
                 <a:defRPr/>
               </a:pPr>
-              <a:t>6/24/2019</a:t>
+              <a:t>9/4/2019</a:t>
             </a:fld>
             <a:endParaRPr lang="en-US" dirty="0">
               <a:solidFill>
@@ -2974,7 +2974,7 @@
               <a:pPr>
                 <a:defRPr/>
               </a:pPr>
-              <a:t>6/24/2019</a:t>
+              <a:t>9/4/2019</a:t>
             </a:fld>
             <a:endParaRPr lang="en-US" dirty="0">
               <a:solidFill>
@@ -3137,7 +3137,7 @@
               <a:pPr>
                 <a:defRPr/>
               </a:pPr>
-              <a:t>6/24/2019</a:t>
+              <a:t>9/4/2019</a:t>
             </a:fld>
             <a:endParaRPr lang="en-US" dirty="0">
               <a:solidFill>
@@ -3278,7 +3278,7 @@
               <a:pPr>
                 <a:defRPr/>
               </a:pPr>
-              <a:t>6/24/2019</a:t>
+              <a:t>9/4/2019</a:t>
             </a:fld>
             <a:endParaRPr lang="en-US" dirty="0">
               <a:solidFill>
@@ -3599,7 +3599,7 @@
               <a:pPr>
                 <a:defRPr/>
               </a:pPr>
-              <a:t>6/24/2019</a:t>
+              <a:t>9/4/2019</a:t>
             </a:fld>
             <a:endParaRPr lang="en-US" dirty="0">
               <a:solidFill>
@@ -3807,7 +3807,7 @@
               <a:pPr>
                 <a:defRPr/>
               </a:pPr>
-              <a:t>6/24/2019</a:t>
+              <a:t>9/4/2019</a:t>
             </a:fld>
             <a:endParaRPr lang="en-US" dirty="0"/>
           </a:p>
@@ -4090,7 +4090,7 @@
               <a:pPr>
                 <a:defRPr/>
               </a:pPr>
-              <a:t>6/24/2019</a:t>
+              <a:t>9/4/2019</a:t>
             </a:fld>
             <a:endParaRPr lang="en-US" dirty="0">
               <a:solidFill>
@@ -4304,7 +4304,7 @@
               <a:pPr>
                 <a:defRPr/>
               </a:pPr>
-              <a:t>6/24/2019</a:t>
+              <a:t>9/4/2019</a:t>
             </a:fld>
             <a:endParaRPr lang="en-US" dirty="0">
               <a:solidFill>
@@ -4528,7 +4528,7 @@
               <a:pPr>
                 <a:defRPr/>
               </a:pPr>
-              <a:t>6/24/2019</a:t>
+              <a:t>9/4/2019</a:t>
             </a:fld>
             <a:endParaRPr lang="en-US" dirty="0">
               <a:solidFill>
@@ -4738,7 +4738,7 @@
               <a:pPr>
                 <a:defRPr/>
               </a:pPr>
-              <a:t>6/24/2019</a:t>
+              <a:t>9/4/2019</a:t>
             </a:fld>
             <a:endParaRPr lang="en-US" dirty="0">
               <a:solidFill>
@@ -5015,7 +5015,7 @@
               <a:pPr>
                 <a:defRPr/>
               </a:pPr>
-              <a:t>6/24/2019</a:t>
+              <a:t>9/4/2019</a:t>
             </a:fld>
             <a:endParaRPr lang="en-US" dirty="0"/>
           </a:p>
@@ -5322,7 +5322,7 @@
               <a:pPr>
                 <a:defRPr/>
               </a:pPr>
-              <a:t>6/24/2019</a:t>
+              <a:t>9/4/2019</a:t>
             </a:fld>
             <a:endParaRPr lang="en-US" dirty="0"/>
           </a:p>
@@ -5763,7 +5763,7 @@
               <a:pPr>
                 <a:defRPr/>
               </a:pPr>
-              <a:t>6/24/2019</a:t>
+              <a:t>9/4/2019</a:t>
             </a:fld>
             <a:endParaRPr lang="en-US" dirty="0"/>
           </a:p>
@@ -5902,7 +5902,7 @@
               <a:pPr>
                 <a:defRPr/>
               </a:pPr>
-              <a:t>6/24/2019</a:t>
+              <a:t>9/4/2019</a:t>
             </a:fld>
             <a:endParaRPr lang="en-US" dirty="0"/>
           </a:p>
@@ -6019,7 +6019,7 @@
               <a:pPr>
                 <a:defRPr/>
               </a:pPr>
-              <a:t>6/24/2019</a:t>
+              <a:t>9/4/2019</a:t>
             </a:fld>
             <a:endParaRPr lang="en-US" dirty="0"/>
           </a:p>
@@ -6316,7 +6316,7 @@
               <a:pPr>
                 <a:defRPr/>
               </a:pPr>
-              <a:t>6/24/2019</a:t>
+              <a:t>9/4/2019</a:t>
             </a:fld>
             <a:endParaRPr lang="en-US" dirty="0"/>
           </a:p>
@@ -6593,7 +6593,7 @@
               <a:pPr>
                 <a:defRPr/>
               </a:pPr>
-              <a:t>6/24/2019</a:t>
+              <a:t>9/4/2019</a:t>
             </a:fld>
             <a:endParaRPr lang="en-US" dirty="0"/>
           </a:p>
@@ -6850,7 +6850,7 @@
               <a:pPr>
                 <a:defRPr/>
               </a:pPr>
-              <a:t>6/24/2019</a:t>
+              <a:t>9/4/2019</a:t>
             </a:fld>
             <a:endParaRPr lang="en-US" dirty="0"/>
           </a:p>
@@ -7560,7 +7560,7 @@
               <a:pPr>
                 <a:defRPr/>
               </a:pPr>
-              <a:t>6/24/2019</a:t>
+              <a:t>9/4/2019</a:t>
             </a:fld>
             <a:endParaRPr lang="en-US" dirty="0">
               <a:solidFill>
@@ -13505,7 +13505,7 @@
                 <a:ea typeface="+mn-ea"/>
                 <a:cs typeface="+mn-cs"/>
               </a:rPr>
-              <a:t>Locate Tutorial 1 on Course Website</a:t>
+              <a:t>Locate Tutorial on Course Website</a:t>
             </a:r>
           </a:p>
           <a:p>
